--- a/05_SC_HAS_PROCESS.pptx
+++ b/05_SC_HAS_PROCESS.pptx
@@ -221,7 +221,7 @@
             <a:fld id="{6837EDA8-41C8-4B24-A206-13C08A65A6D7}" type="datetimeFigureOut">
               <a:rPr lang="zh-TW" altLang="en-US" smtClean="0"/>
               <a:pPr/>
-              <a:t>2022/9/18</a:t>
+              <a:t>2022/9/19</a:t>
             </a:fld>
             <a:endParaRPr lang="zh-TW" altLang="en-US"/>
           </a:p>
@@ -674,7 +674,7 @@
             <a:fld id="{8B85509C-BD4F-47BF-9B1E-FC2E949B3621}" type="datetime1">
               <a:rPr lang="zh-TW" altLang="en-US" smtClean="0"/>
               <a:pPr/>
-              <a:t>2022/9/18</a:t>
+              <a:t>2022/9/19</a:t>
             </a:fld>
             <a:endParaRPr lang="zh-TW" altLang="en-US"/>
           </a:p>
@@ -847,7 +847,7 @@
             <a:fld id="{42251B24-F787-4C15-8A0F-7AEC20C70069}" type="datetime1">
               <a:rPr lang="zh-TW" altLang="en-US" smtClean="0"/>
               <a:pPr/>
-              <a:t>2022/9/18</a:t>
+              <a:t>2022/9/19</a:t>
             </a:fld>
             <a:endParaRPr lang="zh-TW" altLang="en-US"/>
           </a:p>
@@ -1022,7 +1022,7 @@
             <a:fld id="{9CA0D33C-CE2B-45F1-B8D4-FFD1F131F331}" type="datetime1">
               <a:rPr lang="zh-TW" altLang="en-US" smtClean="0"/>
               <a:pPr/>
-              <a:t>2022/9/18</a:t>
+              <a:t>2022/9/19</a:t>
             </a:fld>
             <a:endParaRPr lang="zh-TW" altLang="en-US"/>
           </a:p>
@@ -1187,7 +1187,7 @@
             <a:fld id="{50B99440-D9EF-40CC-9B52-F6428D9B2C76}" type="datetime1">
               <a:rPr lang="zh-TW" altLang="en-US" smtClean="0"/>
               <a:pPr/>
-              <a:t>2022/9/18</a:t>
+              <a:t>2022/9/19</a:t>
             </a:fld>
             <a:endParaRPr lang="zh-TW" altLang="en-US"/>
           </a:p>
@@ -1429,7 +1429,7 @@
             <a:fld id="{0871BF52-5C6C-4959-8E27-CECB68D39FE4}" type="datetime1">
               <a:rPr lang="zh-TW" altLang="en-US" smtClean="0"/>
               <a:pPr/>
-              <a:t>2022/9/18</a:t>
+              <a:t>2022/9/19</a:t>
             </a:fld>
             <a:endParaRPr lang="zh-TW" altLang="en-US"/>
           </a:p>
@@ -1711,7 +1711,7 @@
             <a:fld id="{DF863F05-2DD9-4EB1-A827-12FD992DE9DC}" type="datetime1">
               <a:rPr lang="zh-TW" altLang="en-US" smtClean="0"/>
               <a:pPr/>
-              <a:t>2022/9/18</a:t>
+              <a:t>2022/9/19</a:t>
             </a:fld>
             <a:endParaRPr lang="zh-TW" altLang="en-US"/>
           </a:p>
@@ -2127,7 +2127,7 @@
             <a:fld id="{6339AF51-4491-4873-A096-75DB6CE47516}" type="datetime1">
               <a:rPr lang="zh-TW" altLang="en-US" smtClean="0"/>
               <a:pPr/>
-              <a:t>2022/9/18</a:t>
+              <a:t>2022/9/19</a:t>
             </a:fld>
             <a:endParaRPr lang="zh-TW" altLang="en-US"/>
           </a:p>
@@ -2241,7 +2241,7 @@
             <a:fld id="{EE4AD9C8-8B9E-40FF-ABE2-858AC2057BBB}" type="datetime1">
               <a:rPr lang="zh-TW" altLang="en-US" smtClean="0"/>
               <a:pPr/>
-              <a:t>2022/9/18</a:t>
+              <a:t>2022/9/19</a:t>
             </a:fld>
             <a:endParaRPr lang="zh-TW" altLang="en-US"/>
           </a:p>
@@ -2333,7 +2333,7 @@
             <a:fld id="{B4784999-BBBE-4BE4-A8D0-877E7D1D66CC}" type="datetime1">
               <a:rPr lang="zh-TW" altLang="en-US" smtClean="0"/>
               <a:pPr/>
-              <a:t>2022/9/18</a:t>
+              <a:t>2022/9/19</a:t>
             </a:fld>
             <a:endParaRPr lang="zh-TW" altLang="en-US"/>
           </a:p>
@@ -2605,7 +2605,7 @@
             <a:fld id="{E88D17E6-02BD-4944-B9FE-7BFCCBF83D48}" type="datetime1">
               <a:rPr lang="zh-TW" altLang="en-US" smtClean="0"/>
               <a:pPr/>
-              <a:t>2022/9/18</a:t>
+              <a:t>2022/9/19</a:t>
             </a:fld>
             <a:endParaRPr lang="zh-TW" altLang="en-US"/>
           </a:p>
@@ -2854,7 +2854,7 @@
             <a:fld id="{3C13E23D-1FEF-4D78-A3A3-3D6F2BB31954}" type="datetime1">
               <a:rPr lang="zh-TW" altLang="en-US" smtClean="0"/>
               <a:pPr/>
-              <a:t>2022/9/18</a:t>
+              <a:t>2022/9/19</a:t>
             </a:fld>
             <a:endParaRPr lang="zh-TW" altLang="en-US"/>
           </a:p>
@@ -3062,7 +3062,7 @@
             <a:fld id="{06197F35-AD6F-4594-8B50-334492D2E7E8}" type="datetime1">
               <a:rPr lang="zh-TW" altLang="en-US" smtClean="0"/>
               <a:pPr/>
-              <a:t>2022/9/18</a:t>
+              <a:t>2022/9/19</a:t>
             </a:fld>
             <a:endParaRPr lang="zh-TW" altLang="en-US"/>
           </a:p>
@@ -3523,7 +3523,7 @@
             <a:fld id="{C389EDC9-19E3-47AC-9C57-C6A24DEA81AD}" type="datetime1">
               <a:rPr lang="zh-TW" altLang="en-US" smtClean="0"/>
               <a:pPr/>
-              <a:t>2022/9/18</a:t>
+              <a:t>2022/9/19</a:t>
             </a:fld>
             <a:endParaRPr lang="zh-TW" altLang="en-US"/>
           </a:p>
@@ -3921,7 +3921,7 @@
             <a:fld id="{A4F910E6-8D00-4BAF-8C48-9688E0B449D3}" type="datetime1">
               <a:rPr lang="zh-TW" altLang="en-US" smtClean="0"/>
               <a:pPr/>
-              <a:t>2022/9/18</a:t>
+              <a:t>2022/9/19</a:t>
             </a:fld>
             <a:endParaRPr lang="zh-TW" altLang="en-US"/>
           </a:p>
@@ -4082,7 +4082,7 @@
             <a:fld id="{C389EDC9-19E3-47AC-9C57-C6A24DEA81AD}" type="datetime1">
               <a:rPr lang="zh-TW" altLang="en-US" smtClean="0"/>
               <a:pPr/>
-              <a:t>2022/9/18</a:t>
+              <a:t>2022/9/19</a:t>
             </a:fld>
             <a:endParaRPr lang="zh-TW" altLang="en-US"/>
           </a:p>
@@ -4489,7 +4489,7 @@
             <a:fld id="{A4F910E6-8D00-4BAF-8C48-9688E0B449D3}" type="datetime1">
               <a:rPr lang="zh-TW" altLang="en-US" smtClean="0"/>
               <a:pPr/>
-              <a:t>2022/9/18</a:t>
+              <a:t>2022/9/19</a:t>
             </a:fld>
             <a:endParaRPr lang="zh-TW" altLang="en-US"/>
           </a:p>
@@ -4699,7 +4699,7 @@
             <a:fld id="{4E46BE27-E923-4EC2-B046-3272AE2A3E5C}" type="datetime1">
               <a:rPr lang="zh-TW" altLang="en-US" smtClean="0"/>
               <a:pPr/>
-              <a:t>2022/9/18</a:t>
+              <a:t>2022/9/19</a:t>
             </a:fld>
             <a:endParaRPr lang="zh-TW" altLang="en-US"/>
           </a:p>
@@ -5139,7 +5139,7 @@
             </a:pPr>
             <a:r>
               <a:rPr lang="en-US" sz="1600" dirty="0"/>
-              <a:t>https://www.youtube.com/watch?v=a-wc5ldxM7k&amp;list=PL1qVKHVG3ZfVb91esBQ0-0SQC3dGGeXkn&amp;index=4</a:t>
+              <a:t>https://www.youtube.com/watch?v=GTIDHJo5nsg&amp;list=PL1qVKHVG3ZfVb91esBQ0-0SQC3dGGeXkn&amp;index=5</a:t>
             </a:r>
             <a:endParaRPr kumimoji="0" lang="zh-TW" altLang="en-US" sz="1600" b="0" i="0" u="none" strike="noStrike" kern="1200" cap="none" spc="0" normalizeH="0" baseline="0" noProof="0" dirty="0">
               <a:ln>
@@ -5176,7 +5176,7 @@
             <a:fld id="{A4F910E6-8D00-4BAF-8C48-9688E0B449D3}" type="datetime1">
               <a:rPr lang="zh-TW" altLang="en-US" smtClean="0"/>
               <a:pPr/>
-              <a:t>2022/9/18</a:t>
+              <a:t>2022/9/19</a:t>
             </a:fld>
             <a:endParaRPr lang="zh-TW" altLang="en-US"/>
           </a:p>
@@ -5572,7 +5572,7 @@
             </a:pPr>
             <a:r>
               <a:rPr lang="en-US" sz="1600" dirty="0"/>
-              <a:t>https://www.youtube.com/watch?v=a-wc5ldxM7k&amp;list=PL1qVKHVG3ZfVb91esBQ0-0SQC3dGGeXkn&amp;index=4</a:t>
+              <a:t>https://www.youtube.com/watch?v=GTIDHJo5nsg&amp;list=PL1qVKHVG3ZfVb91esBQ0-0SQC3dGGeXkn&amp;index=5</a:t>
             </a:r>
             <a:endParaRPr kumimoji="0" lang="zh-TW" altLang="en-US" sz="1600" b="0" i="0" u="none" strike="noStrike" kern="1200" cap="none" spc="0" normalizeH="0" baseline="0" noProof="0" dirty="0">
               <a:ln>
@@ -5609,7 +5609,7 @@
             <a:fld id="{A4F910E6-8D00-4BAF-8C48-9688E0B449D3}" type="datetime1">
               <a:rPr lang="zh-TW" altLang="en-US" smtClean="0"/>
               <a:pPr/>
-              <a:t>2022/9/18</a:t>
+              <a:t>2022/9/19</a:t>
             </a:fld>
             <a:endParaRPr lang="zh-TW" altLang="en-US"/>
           </a:p>
@@ -6041,7 +6041,7 @@
             </a:pPr>
             <a:r>
               <a:rPr lang="en-US" sz="1600" dirty="0"/>
-              <a:t>https://www.youtube.com/watch?v=a-wc5ldxM7k&amp;list=PL1qVKHVG3ZfVb91esBQ0-0SQC3dGGeXkn&amp;index=4</a:t>
+              <a:t>https://www.youtube.com/watch?v=GTIDHJo5nsg&amp;list=PL1qVKHVG3ZfVb91esBQ0-0SQC3dGGeXkn&amp;index=5</a:t>
             </a:r>
             <a:endParaRPr kumimoji="0" lang="zh-TW" altLang="en-US" sz="1600" b="0" i="0" u="none" strike="noStrike" kern="1200" cap="none" spc="0" normalizeH="0" baseline="0" noProof="0" dirty="0">
               <a:ln>
@@ -6078,7 +6078,7 @@
             <a:fld id="{A4F910E6-8D00-4BAF-8C48-9688E0B449D3}" type="datetime1">
               <a:rPr lang="zh-TW" altLang="en-US" smtClean="0"/>
               <a:pPr/>
-              <a:t>2022/9/18</a:t>
+              <a:t>2022/9/19</a:t>
             </a:fld>
             <a:endParaRPr lang="zh-TW" altLang="en-US"/>
           </a:p>
@@ -6197,7 +6197,7 @@
             <a:fld id="{C389EDC9-19E3-47AC-9C57-C6A24DEA81AD}" type="datetime1">
               <a:rPr lang="zh-TW" altLang="en-US" smtClean="0"/>
               <a:pPr/>
-              <a:t>2022/9/18</a:t>
+              <a:t>2022/9/19</a:t>
             </a:fld>
             <a:endParaRPr lang="zh-TW" altLang="en-US"/>
           </a:p>
@@ -6532,7 +6532,7 @@
             <a:fld id="{A4F910E6-8D00-4BAF-8C48-9688E0B449D3}" type="datetime1">
               <a:rPr lang="zh-TW" altLang="en-US" smtClean="0"/>
               <a:pPr/>
-              <a:t>2022/9/18</a:t>
+              <a:t>2022/9/19</a:t>
             </a:fld>
             <a:endParaRPr lang="zh-TW" altLang="en-US"/>
           </a:p>
@@ -7067,7 +7067,7 @@
             <a:fld id="{A4F910E6-8D00-4BAF-8C48-9688E0B449D3}" type="datetime1">
               <a:rPr lang="zh-TW" altLang="en-US" smtClean="0"/>
               <a:pPr/>
-              <a:t>2022/9/18</a:t>
+              <a:t>2022/9/19</a:t>
             </a:fld>
             <a:endParaRPr lang="zh-TW" altLang="en-US"/>
           </a:p>
@@ -7483,7 +7483,7 @@
             <a:fld id="{A4F910E6-8D00-4BAF-8C48-9688E0B449D3}" type="datetime1">
               <a:rPr lang="zh-TW" altLang="en-US" smtClean="0"/>
               <a:pPr/>
-              <a:t>2022/9/18</a:t>
+              <a:t>2022/9/19</a:t>
             </a:fld>
             <a:endParaRPr lang="zh-TW" altLang="en-US"/>
           </a:p>
@@ -7985,7 +7985,7 @@
             <a:fld id="{A4F910E6-8D00-4BAF-8C48-9688E0B449D3}" type="datetime1">
               <a:rPr lang="zh-TW" altLang="en-US" smtClean="0"/>
               <a:pPr/>
-              <a:t>2022/9/18</a:t>
+              <a:t>2022/9/19</a:t>
             </a:fld>
             <a:endParaRPr lang="zh-TW" altLang="en-US"/>
           </a:p>
